--- a/Presentation_Finale.pptx
+++ b/Presentation_Finale.pptx
@@ -19,7 +19,8 @@
     <p:sldId id="268" r:id="rId13"/>
     <p:sldId id="270" r:id="rId14"/>
     <p:sldId id="269" r:id="rId15"/>
-    <p:sldId id="260" r:id="rId16"/>
+    <p:sldId id="271" r:id="rId16"/>
+    <p:sldId id="260" r:id="rId17"/>
   </p:sldIdLst>
   <p:sldSz cx="12192000" cy="6858000"/>
   <p:notesSz cx="6858000" cy="9144000"/>
@@ -6115,14 +6116,19 @@
             <p:ph type="ctrTitle"/>
           </p:nvPr>
         </p:nvSpPr>
-        <p:spPr/>
+        <p:spPr>
+          <a:xfrm>
+            <a:off x="2274093" y="1548357"/>
+            <a:ext cx="7389813" cy="2036405"/>
+          </a:xfrm>
+        </p:spPr>
         <p:txBody>
           <a:bodyPr/>
           <a:lstStyle/>
           <a:p>
             <a:r>
               <a:rPr lang="en-US" dirty="0">
-                <a:latin typeface="Brush Script MT" charset="0"/>
+                <a:latin typeface="Bodoni MT" panose="02070603080606020203" pitchFamily="18" charset="0"/>
                 <a:ea typeface="Brush Script MT" charset="0"/>
                 <a:cs typeface="Brush Script MT" charset="0"/>
               </a:rPr>
@@ -6143,7 +6149,7 @@
         </p:nvSpPr>
         <p:spPr>
           <a:xfrm>
-            <a:off x="1524000" y="3655748"/>
+            <a:off x="3133725" y="3413219"/>
             <a:ext cx="9144000" cy="1655762"/>
           </a:xfrm>
         </p:spPr>
@@ -6151,45 +6157,21 @@
           <a:bodyPr/>
           <a:lstStyle/>
           <a:p>
+            <a:r>
+              <a:rPr lang="en-US" i="1" dirty="0" smtClean="0">
+                <a:solidFill>
+                  <a:schemeClr val="accent2"/>
+                </a:solidFill>
+              </a:rPr>
+              <a:t>patterns </a:t>
+            </a:r>
             <a:r>
               <a:rPr lang="en-US" i="1" dirty="0">
                 <a:solidFill>
                   <a:schemeClr val="accent2"/>
                 </a:solidFill>
               </a:rPr>
-              <a:t>how to Fast Fourier Transform and </a:t>
-            </a:r>
-            <a:r>
-              <a:rPr lang="en-US" i="1" dirty="0" err="1">
-                <a:solidFill>
-                  <a:schemeClr val="accent2"/>
-                </a:solidFill>
-              </a:rPr>
-              <a:t>analyse</a:t>
-            </a:r>
-            <a:r>
-              <a:rPr lang="en-US" i="1" dirty="0">
-                <a:solidFill>
-                  <a:schemeClr val="accent2"/>
-                </a:solidFill>
-              </a:rPr>
-              <a:t> the </a:t>
-            </a:r>
-            <a:r>
-              <a:rPr lang="en-US" i="1" dirty="0" err="1">
-                <a:solidFill>
-                  <a:schemeClr val="accent2"/>
-                </a:solidFill>
-              </a:rPr>
-              <a:t>spacial</a:t>
-            </a:r>
-            <a:r>
-              <a:rPr lang="en-US" i="1" dirty="0">
-                <a:solidFill>
-                  <a:schemeClr val="accent2"/>
-                </a:solidFill>
-              </a:rPr>
-              <a:t> and temporal patterns of road accidents in the UK</a:t>
+              <a:t>of road accidents in the UK</a:t>
             </a:r>
           </a:p>
         </p:txBody>
@@ -6638,9 +6620,39 @@
           </a:p>
         </p:txBody>
       </p:sp>
-      <p:sp>
-        <p:nvSpPr>
-          <p:cNvPr id="3" name="Espace réservé du contenu 2"/>
+      <p:pic>
+        <p:nvPicPr>
+          <p:cNvPr id="5" name="Espace réservé du contenu 3"/>
+          <p:cNvPicPr>
+            <a:picLocks noChangeAspect="1"/>
+          </p:cNvPicPr>
+          <p:nvPr/>
+        </p:nvPicPr>
+        <p:blipFill>
+          <a:blip r:embed="rId2">
+            <a:extLst>
+              <a:ext uri="{28A0092B-C50C-407E-A947-70E740481C1C}">
+                <a14:useLocalDpi xmlns:a14="http://schemas.microsoft.com/office/drawing/2010/main" val="0"/>
+              </a:ext>
+            </a:extLst>
+          </a:blip>
+          <a:stretch>
+            <a:fillRect/>
+          </a:stretch>
+        </p:blipFill>
+        <p:spPr>
+          <a:xfrm>
+            <a:off x="1372088" y="246458"/>
+            <a:ext cx="8408987" cy="6306741"/>
+          </a:xfrm>
+          <a:prstGeom prst="rect">
+            <a:avLst/>
+          </a:prstGeom>
+        </p:spPr>
+      </p:pic>
+      <p:sp>
+        <p:nvSpPr>
+          <p:cNvPr id="6" name="Espace réservé du contenu 5"/>
           <p:cNvSpPr>
             <a:spLocks noGrp="1"/>
           </p:cNvSpPr>
@@ -6653,7 +6665,7 @@
           <a:bodyPr/>
           <a:lstStyle/>
           <a:p>
-            <a:endParaRPr lang="fr-FR"/>
+            <a:endParaRPr lang="fr-FR" dirty="0"/>
           </a:p>
         </p:txBody>
       </p:sp>
@@ -6715,7 +6727,7 @@
       </p:sp>
       <p:sp>
         <p:nvSpPr>
-          <p:cNvPr id="3" name="Espace réservé du contenu 2"/>
+          <p:cNvPr id="5" name="Espace réservé du contenu 4"/>
           <p:cNvSpPr>
             <a:spLocks noGrp="1"/>
           </p:cNvSpPr>
@@ -6732,6 +6744,36 @@
           </a:p>
         </p:txBody>
       </p:sp>
+      <p:pic>
+        <p:nvPicPr>
+          <p:cNvPr id="6" name="Espace réservé du contenu 3"/>
+          <p:cNvPicPr>
+            <a:picLocks noChangeAspect="1"/>
+          </p:cNvPicPr>
+          <p:nvPr/>
+        </p:nvPicPr>
+        <p:blipFill>
+          <a:blip r:embed="rId2">
+            <a:extLst>
+              <a:ext uri="{28A0092B-C50C-407E-A947-70E740481C1C}">
+                <a14:useLocalDpi xmlns:a14="http://schemas.microsoft.com/office/drawing/2010/main" val="0"/>
+              </a:ext>
+            </a:extLst>
+          </a:blip>
+          <a:stretch>
+            <a:fillRect/>
+          </a:stretch>
+        </p:blipFill>
+        <p:spPr>
+          <a:xfrm>
+            <a:off x="1346688" y="285749"/>
+            <a:ext cx="8459787" cy="6344840"/>
+          </a:xfrm>
+          <a:prstGeom prst="rect">
+            <a:avLst/>
+          </a:prstGeom>
+        </p:spPr>
+      </p:pic>
     </p:spTree>
     <p:extLst>
       <p:ext uri="{BB962C8B-B14F-4D97-AF65-F5344CB8AC3E}">
@@ -6771,6 +6813,74 @@
       </p:grpSpPr>
       <p:sp>
         <p:nvSpPr>
+          <p:cNvPr id="2" name="Titre 1"/>
+          <p:cNvSpPr>
+            <a:spLocks noGrp="1"/>
+          </p:cNvSpPr>
+          <p:nvPr>
+            <p:ph type="title"/>
+          </p:nvPr>
+        </p:nvSpPr>
+        <p:spPr/>
+        <p:txBody>
+          <a:bodyPr/>
+          <a:lstStyle/>
+          <a:p>
+            <a:endParaRPr lang="fr-FR"/>
+          </a:p>
+        </p:txBody>
+      </p:sp>
+      <p:sp>
+        <p:nvSpPr>
+          <p:cNvPr id="3" name="Espace réservé du contenu 2"/>
+          <p:cNvSpPr>
+            <a:spLocks noGrp="1"/>
+          </p:cNvSpPr>
+          <p:nvPr>
+            <p:ph idx="1"/>
+          </p:nvPr>
+        </p:nvSpPr>
+        <p:spPr/>
+        <p:txBody>
+          <a:bodyPr/>
+          <a:lstStyle/>
+          <a:p>
+            <a:endParaRPr lang="fr-FR"/>
+          </a:p>
+        </p:txBody>
+      </p:sp>
+    </p:spTree>
+    <p:extLst>
+      <p:ext uri="{BB962C8B-B14F-4D97-AF65-F5344CB8AC3E}">
+        <p14:creationId xmlns:p14="http://schemas.microsoft.com/office/powerpoint/2010/main" val="2822964060"/>
+      </p:ext>
+    </p:extLst>
+  </p:cSld>
+  <p:clrMapOvr>
+    <a:masterClrMapping/>
+  </p:clrMapOvr>
+</p:sld>
+</file>
+
+<file path=ppt/slides/slide16.xml><?xml version="1.0" encoding="utf-8"?>
+<p:sld xmlns:a="http://schemas.openxmlformats.org/drawingml/2006/main" xmlns:r="http://schemas.openxmlformats.org/officeDocument/2006/relationships" xmlns:p="http://schemas.openxmlformats.org/presentationml/2006/main">
+  <p:cSld>
+    <p:spTree>
+      <p:nvGrpSpPr>
+        <p:cNvPr id="1" name=""/>
+        <p:cNvGrpSpPr/>
+        <p:nvPr/>
+      </p:nvGrpSpPr>
+      <p:grpSpPr>
+        <a:xfrm>
+          <a:off x="0" y="0"/>
+          <a:ext cx="0" cy="0"/>
+          <a:chOff x="0" y="0"/>
+          <a:chExt cx="0" cy="0"/>
+        </a:xfrm>
+      </p:grpSpPr>
+      <p:sp>
+        <p:nvSpPr>
           <p:cNvPr id="2" name="Title 1"/>
           <p:cNvSpPr>
             <a:spLocks noGrp="1"/>
@@ -6785,9 +6895,10 @@
           <a:lstStyle/>
           <a:p>
             <a:r>
-              <a:rPr lang="en-US" dirty="0"/>
-              <a:t>Conclusion</a:t>
-            </a:r>
+              <a:rPr lang="en-US" dirty="0" smtClean="0"/>
+              <a:t>4. Forecasting model</a:t>
+            </a:r>
+            <a:endParaRPr lang="en-US" dirty="0"/>
           </a:p>
         </p:txBody>
       </p:sp>
@@ -6882,26 +6993,28 @@
         </p:nvSpPr>
         <p:spPr/>
         <p:txBody>
-          <a:bodyPr/>
-          <a:lstStyle/>
-          <a:p>
-            <a:r>
-              <a:rPr lang="en-US" dirty="0" smtClean="0"/>
+          <a:bodyPr>
+            <a:normAutofit/>
+          </a:bodyPr>
+          <a:lstStyle/>
+          <a:p>
+            <a:r>
+              <a:rPr lang="en-US" sz="3200" dirty="0" smtClean="0"/>
               <a:t>1. Dealt with messy data indices</a:t>
             </a:r>
           </a:p>
           <a:p>
             <a:r>
-              <a:rPr lang="en-US" dirty="0" smtClean="0"/>
+              <a:rPr lang="en-US" sz="3200" dirty="0" smtClean="0"/>
               <a:t>2. Proceeded to do a seasonal analysis</a:t>
             </a:r>
           </a:p>
           <a:p>
             <a:r>
-              <a:rPr lang="en-US" dirty="0" smtClean="0"/>
+              <a:rPr lang="en-US" sz="3200" dirty="0" smtClean="0"/>
               <a:t>3. Proposed a forecast model</a:t>
             </a:r>
-            <a:endParaRPr lang="en-US" dirty="0"/>
+            <a:endParaRPr lang="en-US" sz="3200" dirty="0"/>
           </a:p>
         </p:txBody>
       </p:sp>
@@ -6965,25 +7078,38 @@
           </a:p>
         </p:txBody>
       </p:sp>
-      <p:sp>
-        <p:nvSpPr>
-          <p:cNvPr id="3" name="Content Placeholder 2"/>
-          <p:cNvSpPr>
-            <a:spLocks noGrp="1"/>
-          </p:cNvSpPr>
+      <p:pic>
+        <p:nvPicPr>
+          <p:cNvPr id="4" name="Picture 3" descr="A screenshot of a cell phone&#10;&#10;Description automatically generated">
+            <a:extLst>
+              <a:ext uri="{FF2B5EF4-FFF2-40B4-BE49-F238E27FC236}">
+                <a16:creationId xmlns="" xmlns:a16="http://schemas.microsoft.com/office/drawing/2014/main" xmlns:lc="http://schemas.openxmlformats.org/drawingml/2006/lockedCanvas" id="{93C3D105-4044-4646-A122-530563437417}"/>
+              </a:ext>
+            </a:extLst>
+          </p:cNvPr>
+          <p:cNvPicPr>
+            <a:picLocks noGrp="1" noChangeAspect="1"/>
+          </p:cNvPicPr>
           <p:nvPr>
             <p:ph idx="1"/>
           </p:nvPr>
-        </p:nvSpPr>
-        <p:spPr/>
-        <p:txBody>
-          <a:bodyPr/>
-          <a:lstStyle/>
-          <a:p>
-            <a:endParaRPr lang="en-US" dirty="0"/>
-          </a:p>
-        </p:txBody>
-      </p:sp>
+        </p:nvPicPr>
+        <p:blipFill>
+          <a:blip r:embed="rId2"/>
+          <a:stretch>
+            <a:fillRect/>
+          </a:stretch>
+        </p:blipFill>
+        <p:spPr>
+          <a:xfrm>
+            <a:off x="1195552" y="2476500"/>
+            <a:ext cx="9272423" cy="2612231"/>
+          </a:xfrm>
+          <a:prstGeom prst="rect">
+            <a:avLst/>
+          </a:prstGeom>
+        </p:spPr>
+      </p:pic>
     </p:spTree>
     <p:extLst>
       <p:ext uri="{BB962C8B-B14F-4D97-AF65-F5344CB8AC3E}">
@@ -7125,7 +7251,7 @@
           <p:cNvPr id="2" name="Title 1">
             <a:extLst>
               <a:ext uri="{FF2B5EF4-FFF2-40B4-BE49-F238E27FC236}">
-                <a16:creationId xmlns:a16="http://schemas.microsoft.com/office/drawing/2014/main" xmlns="" id="{6C49CE3F-4287-48AA-BCD6-BE32660EC228}"/>
+                <a16:creationId xmlns="" xmlns:a16="http://schemas.microsoft.com/office/drawing/2014/main" id="{6C49CE3F-4287-48AA-BCD6-BE32660EC228}"/>
               </a:ext>
             </a:extLst>
           </p:cNvPr>
@@ -7153,7 +7279,7 @@
           <p:cNvPr id="3" name="Content Placeholder 2">
             <a:extLst>
               <a:ext uri="{FF2B5EF4-FFF2-40B4-BE49-F238E27FC236}">
-                <a16:creationId xmlns:a16="http://schemas.microsoft.com/office/drawing/2014/main" xmlns="" id="{598DAD17-C2D6-4335-819D-926C389C2413}"/>
+                <a16:creationId xmlns="" xmlns:a16="http://schemas.microsoft.com/office/drawing/2014/main" id="{598DAD17-C2D6-4335-819D-926C389C2413}"/>
               </a:ext>
             </a:extLst>
           </p:cNvPr>
@@ -7257,7 +7383,7 @@
           <p:cNvPr id="2" name="Title 1">
             <a:extLst>
               <a:ext uri="{FF2B5EF4-FFF2-40B4-BE49-F238E27FC236}">
-                <a16:creationId xmlns:a16="http://schemas.microsoft.com/office/drawing/2014/main" xmlns="" id="{4299F64E-BF29-456F-9F73-EBB51073555C}"/>
+                <a16:creationId xmlns="" xmlns:a16="http://schemas.microsoft.com/office/drawing/2014/main" id="{4299F64E-BF29-456F-9F73-EBB51073555C}"/>
               </a:ext>
             </a:extLst>
           </p:cNvPr>
@@ -7285,7 +7411,7 @@
           <p:cNvPr id="3" name="Content Placeholder 2">
             <a:extLst>
               <a:ext uri="{FF2B5EF4-FFF2-40B4-BE49-F238E27FC236}">
-                <a16:creationId xmlns:a16="http://schemas.microsoft.com/office/drawing/2014/main" xmlns="" id="{CFE9FB10-8A95-4170-B0E7-45A9C85E7A98}"/>
+                <a16:creationId xmlns="" xmlns:a16="http://schemas.microsoft.com/office/drawing/2014/main" id="{CFE9FB10-8A95-4170-B0E7-45A9C85E7A98}"/>
               </a:ext>
             </a:extLst>
           </p:cNvPr>
@@ -7336,7 +7462,7 @@
           <p:cNvPr id="5" name="Picture 4">
             <a:extLst>
               <a:ext uri="{FF2B5EF4-FFF2-40B4-BE49-F238E27FC236}">
-                <a16:creationId xmlns:a16="http://schemas.microsoft.com/office/drawing/2014/main" xmlns="" id="{862401FD-59BC-4745-8EF0-538E93883901}"/>
+                <a16:creationId xmlns="" xmlns:a16="http://schemas.microsoft.com/office/drawing/2014/main" id="{862401FD-59BC-4745-8EF0-538E93883901}"/>
               </a:ext>
             </a:extLst>
           </p:cNvPr>
@@ -7403,7 +7529,7 @@
           <p:cNvPr id="2" name="Title 1">
             <a:extLst>
               <a:ext uri="{FF2B5EF4-FFF2-40B4-BE49-F238E27FC236}">
-                <a16:creationId xmlns:a16="http://schemas.microsoft.com/office/drawing/2014/main" xmlns="" id="{2E3D14FE-50F7-4A83-A8A0-385465A3F94C}"/>
+                <a16:creationId xmlns="" xmlns:a16="http://schemas.microsoft.com/office/drawing/2014/main" id="{2E3D14FE-50F7-4A83-A8A0-385465A3F94C}"/>
               </a:ext>
             </a:extLst>
           </p:cNvPr>
@@ -7431,7 +7557,7 @@
           <p:cNvPr id="3" name="Content Placeholder 2">
             <a:extLst>
               <a:ext uri="{FF2B5EF4-FFF2-40B4-BE49-F238E27FC236}">
-                <a16:creationId xmlns:a16="http://schemas.microsoft.com/office/drawing/2014/main" xmlns="" id="{4BB35F6B-7B06-47E8-8708-73DE66D6689A}"/>
+                <a16:creationId xmlns="" xmlns:a16="http://schemas.microsoft.com/office/drawing/2014/main" id="{4BB35F6B-7B06-47E8-8708-73DE66D6689A}"/>
               </a:ext>
             </a:extLst>
           </p:cNvPr>
@@ -7472,7 +7598,7 @@
           <p:cNvPr id="5" name="Picture 4">
             <a:extLst>
               <a:ext uri="{FF2B5EF4-FFF2-40B4-BE49-F238E27FC236}">
-                <a16:creationId xmlns:a16="http://schemas.microsoft.com/office/drawing/2014/main" xmlns="" id="{6A6D401D-659E-4EAE-B711-A0CB923A8AFC}"/>
+                <a16:creationId xmlns="" xmlns:a16="http://schemas.microsoft.com/office/drawing/2014/main" id="{6A6D401D-659E-4EAE-B711-A0CB923A8AFC}"/>
               </a:ext>
             </a:extLst>
           </p:cNvPr>
@@ -7539,7 +7665,7 @@
           <p:cNvPr id="2" name="Title 1">
             <a:extLst>
               <a:ext uri="{FF2B5EF4-FFF2-40B4-BE49-F238E27FC236}">
-                <a16:creationId xmlns:a16="http://schemas.microsoft.com/office/drawing/2014/main" xmlns="" id="{03F98071-35C0-4F1D-80A3-774CCB4E2F52}"/>
+                <a16:creationId xmlns="" xmlns:a16="http://schemas.microsoft.com/office/drawing/2014/main" id="{03F98071-35C0-4F1D-80A3-774CCB4E2F52}"/>
               </a:ext>
             </a:extLst>
           </p:cNvPr>
@@ -7567,7 +7693,7 @@
           <p:cNvPr id="3" name="Content Placeholder 2">
             <a:extLst>
               <a:ext uri="{FF2B5EF4-FFF2-40B4-BE49-F238E27FC236}">
-                <a16:creationId xmlns:a16="http://schemas.microsoft.com/office/drawing/2014/main" xmlns="" id="{F5B7CE13-E43E-4CBF-9DA5-44F84C4889E3}"/>
+                <a16:creationId xmlns="" xmlns:a16="http://schemas.microsoft.com/office/drawing/2014/main" id="{F5B7CE13-E43E-4CBF-9DA5-44F84C4889E3}"/>
               </a:ext>
             </a:extLst>
           </p:cNvPr>
@@ -7604,7 +7730,7 @@
           <p:cNvPr id="5" name="Picture 4">
             <a:extLst>
               <a:ext uri="{FF2B5EF4-FFF2-40B4-BE49-F238E27FC236}">
-                <a16:creationId xmlns:a16="http://schemas.microsoft.com/office/drawing/2014/main" xmlns="" id="{B567562D-5CC1-46C3-8B02-CFD870F9ECCA}"/>
+                <a16:creationId xmlns="" xmlns:a16="http://schemas.microsoft.com/office/drawing/2014/main" id="{B567562D-5CC1-46C3-8B02-CFD870F9ECCA}"/>
               </a:ext>
             </a:extLst>
           </p:cNvPr>
